--- a/발표자료/2DGP 3차 발표.pptx
+++ b/발표자료/2DGP 3차 발표.pptx
@@ -3581,14 +3581,14 @@
           <p:nvPr>
             <p:extLst>
               <p:ext uri="{D42A27DB-BD31-4B8C-83A1-F6EECF244321}">
-                <p14:modId xmlns:p14="http://schemas.microsoft.com/office/powerpoint/2010/main" val="444795700"/>
+                <p14:modId xmlns:p14="http://schemas.microsoft.com/office/powerpoint/2010/main" val="3372444843"/>
               </p:ext>
             </p:extLst>
           </p:nvPr>
         </p:nvGraphicFramePr>
         <p:xfrm>
           <a:off x="196850" y="833428"/>
-          <a:ext cx="11887201" cy="5638272"/>
+          <a:ext cx="11887201" cy="5634753"/>
         </p:xfrm>
         <a:graphic>
           <a:graphicData uri="http://schemas.openxmlformats.org/drawingml/2006/table">
@@ -3693,7 +3693,7 @@
                   </a:ext>
                 </a:extLst>
               </a:tr>
-              <a:tr h="453681">
+              <a:tr h="907362">
                 <a:tc>
                   <a:txBody>
                     <a:bodyPr/>
@@ -3705,103 +3705,6 @@
                         <a:t>캐릭터</a:t>
                       </a:r>
                     </a:p>
-                  </a:txBody>
-                  <a:tcPr anchor="ctr"/>
-                </a:tc>
-                <a:tc>
-                  <a:txBody>
-                    <a:bodyPr/>
-                    <a:lstStyle/>
-                    <a:p>
-                      <a:pPr algn="ctr" latinLnBrk="1"/>
-                      <a:r>
-                        <a:rPr lang="ko-KR" altLang="en-US" sz="1200" dirty="0"/>
-                        <a:t>점프</a:t>
-                      </a:r>
-                      <a:r>
-                        <a:rPr lang="en-US" altLang="ko-KR" sz="1200" dirty="0"/>
-                        <a:t>, </a:t>
-                      </a:r>
-                      <a:r>
-                        <a:rPr lang="ko-KR" altLang="en-US" sz="1200" dirty="0"/>
-                        <a:t>총알 발사</a:t>
-                      </a:r>
-                      <a:r>
-                        <a:rPr lang="en-US" altLang="ko-KR" sz="1200" dirty="0"/>
-                        <a:t>, </a:t>
-                      </a:r>
-                      <a:r>
-                        <a:rPr lang="ko-KR" altLang="en-US" sz="1200" dirty="0"/>
-                        <a:t>걷기 등 물리법칙에 기반한 속도 계산 및 자연스러운 구현을 목표</a:t>
-                      </a:r>
-                      <a:endParaRPr lang="en-US" altLang="ko-KR" sz="1200" dirty="0"/>
-                    </a:p>
-                    <a:p>
-                      <a:pPr algn="ctr" latinLnBrk="1"/>
-                      <a:r>
-                        <a:rPr lang="ko-KR" altLang="en-US" sz="1200" dirty="0"/>
-                        <a:t>피격 범위</a:t>
-                      </a:r>
-                      <a:r>
-                        <a:rPr lang="en-US" altLang="ko-KR" sz="1200" dirty="0"/>
-                        <a:t>, </a:t>
-                      </a:r>
-                      <a:r>
-                        <a:rPr lang="ko-KR" altLang="en-US" sz="1200" dirty="0"/>
-                        <a:t>맵 이탈 방지를 막기위해 최대한 버그 없는</a:t>
-                      </a:r>
-                      <a:r>
-                        <a:rPr lang="en-US" altLang="ko-KR" sz="1200" dirty="0"/>
-                        <a:t>, </a:t>
-                      </a:r>
-                      <a:r>
-                        <a:rPr lang="ko-KR" altLang="en-US" sz="1200" dirty="0"/>
-                        <a:t>깔끔하게 움직일 수 있도록 설정</a:t>
-                      </a:r>
-                    </a:p>
-                  </a:txBody>
-                  <a:tcPr anchor="ctr"/>
-                </a:tc>
-                <a:tc>
-                  <a:txBody>
-                    <a:bodyPr/>
-                    <a:lstStyle/>
-                    <a:p>
-                      <a:pPr algn="ctr" latinLnBrk="1"/>
-                      <a:r>
-                        <a:rPr lang="ko-KR" altLang="en-US" sz="1200" dirty="0"/>
-                        <a:t>목표 달성</a:t>
-                      </a:r>
-                    </a:p>
-                  </a:txBody>
-                  <a:tcPr anchor="ctr"/>
-                </a:tc>
-                <a:tc>
-                  <a:txBody>
-                    <a:bodyPr/>
-                    <a:lstStyle/>
-                    <a:p>
-                      <a:pPr algn="ctr" latinLnBrk="1"/>
-                      <a:r>
-                        <a:rPr lang="en-US" altLang="ko-KR" sz="1200" dirty="0"/>
-                        <a:t>100</a:t>
-                      </a:r>
-                      <a:endParaRPr lang="ko-KR" altLang="en-US" sz="1200" dirty="0"/>
-                    </a:p>
-                  </a:txBody>
-                  <a:tcPr anchor="ctr"/>
-                </a:tc>
-                <a:extLst>
-                  <a:ext uri="{0D108BD9-81ED-4DB2-BD59-A6C34878D82A}">
-                    <a16:rowId xmlns:a16="http://schemas.microsoft.com/office/drawing/2014/main" val="362470854"/>
-                  </a:ext>
-                </a:extLst>
-              </a:tr>
-              <a:tr h="453681">
-                <a:tc>
-                  <a:txBody>
-                    <a:bodyPr/>
-                    <a:lstStyle/>
                     <a:p>
                       <a:pPr algn="ctr" latinLnBrk="1"/>
                       <a:r>
@@ -3819,7 +3722,50 @@
                     <a:lstStyle/>
                     <a:p>
                       <a:pPr algn="ctr" latinLnBrk="1"/>
-                      <a:endParaRPr lang="ko-KR" altLang="en-US" sz="1200" dirty="0"/>
+                      <a:r>
+                        <a:rPr lang="ko-KR" altLang="en-US" sz="1200" dirty="0"/>
+                        <a:t>점프</a:t>
+                      </a:r>
+                      <a:r>
+                        <a:rPr lang="en-US" altLang="ko-KR" sz="1200" dirty="0"/>
+                        <a:t>, </a:t>
+                      </a:r>
+                      <a:r>
+                        <a:rPr lang="ko-KR" altLang="en-US" sz="1200" dirty="0"/>
+                        <a:t>총알 발사</a:t>
+                      </a:r>
+                      <a:r>
+                        <a:rPr lang="en-US" altLang="ko-KR" sz="1200" dirty="0"/>
+                        <a:t>, </a:t>
+                      </a:r>
+                      <a:r>
+                        <a:rPr lang="ko-KR" altLang="en-US" sz="1200" dirty="0"/>
+                        <a:t>걷기 등 물리법칙에 기반한 속도 계산 및 자연스러운 구현을 목표</a:t>
+                      </a:r>
+                      <a:endParaRPr lang="en-US" altLang="ko-KR" sz="1200" dirty="0"/>
+                    </a:p>
+                    <a:p>
+                      <a:pPr algn="ctr" latinLnBrk="1"/>
+                      <a:r>
+                        <a:rPr lang="ko-KR" altLang="en-US" sz="1200" dirty="0"/>
+                        <a:t>피격 범위</a:t>
+                      </a:r>
+                      <a:r>
+                        <a:rPr lang="en-US" altLang="ko-KR" sz="1200" dirty="0"/>
+                        <a:t>, </a:t>
+                      </a:r>
+                      <a:r>
+                        <a:rPr lang="ko-KR" altLang="en-US" sz="1200" dirty="0"/>
+                        <a:t>맵 이탈 방지를 막기위해 최대한 버그 없는</a:t>
+                      </a:r>
+                      <a:r>
+                        <a:rPr lang="en-US" altLang="ko-KR" sz="1200" dirty="0"/>
+                        <a:t>, </a:t>
+                      </a:r>
+                      <a:r>
+                        <a:rPr lang="ko-KR" altLang="en-US" sz="1200" dirty="0"/>
+                        <a:t>깔끔하게 움직일 수 있도록 설정</a:t>
+                      </a:r>
                     </a:p>
                   </a:txBody>
                   <a:tcPr anchor="ctr"/>
@@ -3830,7 +3776,10 @@
                     <a:lstStyle/>
                     <a:p>
                       <a:pPr algn="ctr" latinLnBrk="1"/>
-                      <a:endParaRPr lang="ko-KR" altLang="en-US" sz="1200" dirty="0"/>
+                      <a:r>
+                        <a:rPr lang="ko-KR" altLang="en-US" sz="1200" dirty="0"/>
+                        <a:t>목표 달성</a:t>
+                      </a:r>
                     </a:p>
                   </a:txBody>
                   <a:tcPr anchor="ctr"/>
@@ -3841,6 +3790,10 @@
                     <a:lstStyle/>
                     <a:p>
                       <a:pPr algn="ctr" latinLnBrk="1"/>
+                      <a:r>
+                        <a:rPr lang="en-US" altLang="ko-KR" sz="1200" dirty="0"/>
+                        <a:t>100</a:t>
+                      </a:r>
                       <a:endParaRPr lang="ko-KR" altLang="en-US" sz="1200" dirty="0"/>
                     </a:p>
                   </a:txBody>
@@ -3848,7 +3801,7 @@
                 </a:tc>
                 <a:extLst>
                   <a:ext uri="{0D108BD9-81ED-4DB2-BD59-A6C34878D82A}">
-                    <a16:rowId xmlns:a16="http://schemas.microsoft.com/office/drawing/2014/main" val="1793652592"/>
+                    <a16:rowId xmlns:a16="http://schemas.microsoft.com/office/drawing/2014/main" val="362470854"/>
                   </a:ext>
                 </a:extLst>
               </a:tr>
